--- a/Presentation.pptx
+++ b/Presentation.pptx
@@ -145,7 +145,7 @@
 <file path=ppt/revisionInfo.xml><?xml version="1.0" encoding="utf-8"?>
 <p1510:revInfo xmlns:a="http://schemas.openxmlformats.org/drawingml/2006/main" xmlns:r="http://schemas.openxmlformats.org/officeDocument/2006/relationships" xmlns:p1510="http://schemas.microsoft.com/office/powerpoint/2015/10/main">
   <p1510:revLst>
-    <p1510:client id="{31251EDC-EAD0-7520-490D-0E74D88CA0BA}" v="212" dt="2024-06-11T12:39:43.439"/>
+    <p1510:client id="{31251EDC-EAD0-7520-490D-0E74D88CA0BA}" v="221" dt="2024-06-11T12:58:00.806"/>
     <p1510:client id="{87D7D2ED-F311-C290-AD66-2A4EBE213029}" v="429" dt="2024-06-11T10:06:23.341"/>
     <p1510:client id="{8E73D9BC-094B-5AD5-CCB9-E7890067D257}" v="5" dt="2024-06-10T20:07:49.818"/>
     <p1510:client id="{B8F5D54C-9968-4CF0-8A4C-EDF77BB10E6F}" v="787" dt="2024-06-11T09:33:50.502"/>
@@ -10496,14 +10496,14 @@
               </a:lnSpc>
             </a:pPr>
             <a:r>
-              <a:rPr lang="en-US" sz="4000">
+              <a:rPr lang="en-US" sz="4000" dirty="0">
                 <a:solidFill>
                   <a:srgbClr val="FFFFFF"/>
                 </a:solidFill>
               </a:rPr>
-              <a:t>Simple test</a:t>
-            </a:r>
-            <a:endParaRPr lang="pl-PL"/>
+              <a:t>Vertebrates input</a:t>
+            </a:r>
+            <a:endParaRPr lang="pl-PL" dirty="0"/>
           </a:p>
         </p:txBody>
       </p:sp>
